--- a/LEAGUE OF STATS.pptx
+++ b/LEAGUE OF STATS.pptx
@@ -966,9 +966,22 @@
         <a:bodyPr/>
         <a:lstStyle/>
         <a:p>
+          <a:pPr rtl="1"/>
           <a:r>
             <a:rPr lang="he-IL" dirty="0"/>
-            <a:t>עיבוד נתונים </a:t>
+            <a:t>עיבוד </a:t>
+          </a:r>
+          <a:r>
+            <a:rPr lang="he-IL" dirty="0" smtClean="0"/>
+            <a:t>נתונים בעזרת </a:t>
+          </a:r>
+          <a:r>
+            <a:rPr lang="en-US" smtClean="0"/>
+            <a:t>python</a:t>
+          </a:r>
+          <a:r>
+            <a:rPr lang="he-IL" smtClean="0"/>
+            <a:t> </a:t>
           </a:r>
           <a:endParaRPr lang="en-US" dirty="0"/>
         </a:p>
@@ -1094,14 +1107,38 @@
         </dgm:presLayoutVars>
       </dgm:prSet>
       <dgm:spPr/>
+      <dgm:t>
+        <a:bodyPr/>
+        <a:lstStyle/>
+        <a:p>
+          <a:pPr rtl="1"/>
+          <a:endParaRPr lang="he-IL"/>
+        </a:p>
+      </dgm:t>
     </dgm:pt>
     <dgm:pt modelId="{EFC3A3F2-9313-46DB-9EBA-F50D59F28CC3}" type="pres">
       <dgm:prSet presAssocID="{3D4A8514-B5A7-4A4A-9267-15BD6374C72B}" presName="sibTrans" presStyleLbl="sibTrans2D1" presStyleIdx="0" presStyleCnt="4"/>
       <dgm:spPr/>
+      <dgm:t>
+        <a:bodyPr/>
+        <a:lstStyle/>
+        <a:p>
+          <a:pPr rtl="1"/>
+          <a:endParaRPr lang="he-IL"/>
+        </a:p>
+      </dgm:t>
     </dgm:pt>
     <dgm:pt modelId="{107578F9-59A1-4C4D-A44C-997BFA1701EF}" type="pres">
       <dgm:prSet presAssocID="{3D4A8514-B5A7-4A4A-9267-15BD6374C72B}" presName="connectorText" presStyleLbl="sibTrans2D1" presStyleIdx="0" presStyleCnt="4"/>
       <dgm:spPr/>
+      <dgm:t>
+        <a:bodyPr/>
+        <a:lstStyle/>
+        <a:p>
+          <a:pPr rtl="1"/>
+          <a:endParaRPr lang="he-IL"/>
+        </a:p>
+      </dgm:t>
     </dgm:pt>
     <dgm:pt modelId="{E86D0B39-6C9A-447E-9748-DF655EBD3E3A}" type="pres">
       <dgm:prSet presAssocID="{9725D43C-17B5-4163-B215-442253487EAC}" presName="node" presStyleLbl="node1" presStyleIdx="1" presStyleCnt="5">
@@ -1110,14 +1147,38 @@
         </dgm:presLayoutVars>
       </dgm:prSet>
       <dgm:spPr/>
+      <dgm:t>
+        <a:bodyPr/>
+        <a:lstStyle/>
+        <a:p>
+          <a:pPr rtl="1"/>
+          <a:endParaRPr lang="he-IL"/>
+        </a:p>
+      </dgm:t>
     </dgm:pt>
     <dgm:pt modelId="{A78A7AA3-2CF7-4DA9-A840-B1A19689A587}" type="pres">
       <dgm:prSet presAssocID="{D50FAF5A-0CEE-4FDA-81DA-CACF3F4CE359}" presName="sibTrans" presStyleLbl="sibTrans2D1" presStyleIdx="1" presStyleCnt="4"/>
       <dgm:spPr/>
+      <dgm:t>
+        <a:bodyPr/>
+        <a:lstStyle/>
+        <a:p>
+          <a:pPr rtl="1"/>
+          <a:endParaRPr lang="he-IL"/>
+        </a:p>
+      </dgm:t>
     </dgm:pt>
     <dgm:pt modelId="{05BC8030-F800-4682-9B5C-501AECBAC9DB}" type="pres">
       <dgm:prSet presAssocID="{D50FAF5A-0CEE-4FDA-81DA-CACF3F4CE359}" presName="connectorText" presStyleLbl="sibTrans2D1" presStyleIdx="1" presStyleCnt="4"/>
       <dgm:spPr/>
+      <dgm:t>
+        <a:bodyPr/>
+        <a:lstStyle/>
+        <a:p>
+          <a:pPr rtl="1"/>
+          <a:endParaRPr lang="he-IL"/>
+        </a:p>
+      </dgm:t>
     </dgm:pt>
     <dgm:pt modelId="{F2523B9E-CE3C-4741-B7BD-AF2CB4297A29}" type="pres">
       <dgm:prSet presAssocID="{73A5084C-4084-485E-8BA4-8AFE19553096}" presName="node" presStyleLbl="node1" presStyleIdx="2" presStyleCnt="5">
@@ -1126,14 +1187,38 @@
         </dgm:presLayoutVars>
       </dgm:prSet>
       <dgm:spPr/>
+      <dgm:t>
+        <a:bodyPr/>
+        <a:lstStyle/>
+        <a:p>
+          <a:pPr rtl="1"/>
+          <a:endParaRPr lang="he-IL"/>
+        </a:p>
+      </dgm:t>
     </dgm:pt>
     <dgm:pt modelId="{74591D9A-593B-491A-B0A6-B037BC735185}" type="pres">
       <dgm:prSet presAssocID="{950E2EFA-5735-4450-9103-9D693009F9D4}" presName="sibTrans" presStyleLbl="sibTrans2D1" presStyleIdx="2" presStyleCnt="4"/>
       <dgm:spPr/>
+      <dgm:t>
+        <a:bodyPr/>
+        <a:lstStyle/>
+        <a:p>
+          <a:pPr rtl="1"/>
+          <a:endParaRPr lang="he-IL"/>
+        </a:p>
+      </dgm:t>
     </dgm:pt>
     <dgm:pt modelId="{55E67A35-24E6-48C1-B963-446A9B8BBD9D}" type="pres">
       <dgm:prSet presAssocID="{950E2EFA-5735-4450-9103-9D693009F9D4}" presName="connectorText" presStyleLbl="sibTrans2D1" presStyleIdx="2" presStyleCnt="4"/>
       <dgm:spPr/>
+      <dgm:t>
+        <a:bodyPr/>
+        <a:lstStyle/>
+        <a:p>
+          <a:pPr rtl="1"/>
+          <a:endParaRPr lang="he-IL"/>
+        </a:p>
+      </dgm:t>
     </dgm:pt>
     <dgm:pt modelId="{2A4EEC84-7066-49D1-9F6C-17ED4EB366E9}" type="pres">
       <dgm:prSet presAssocID="{C929336F-F23E-4B6C-A2D0-5089FF84B08B}" presName="node" presStyleLbl="node1" presStyleIdx="3" presStyleCnt="5">
@@ -1142,14 +1227,38 @@
         </dgm:presLayoutVars>
       </dgm:prSet>
       <dgm:spPr/>
+      <dgm:t>
+        <a:bodyPr/>
+        <a:lstStyle/>
+        <a:p>
+          <a:pPr rtl="1"/>
+          <a:endParaRPr lang="he-IL"/>
+        </a:p>
+      </dgm:t>
     </dgm:pt>
     <dgm:pt modelId="{36F1256D-E37A-41D0-B46C-78B4F958C1C1}" type="pres">
       <dgm:prSet presAssocID="{8E99583B-902A-4499-8347-4C92EA314711}" presName="sibTrans" presStyleLbl="sibTrans2D1" presStyleIdx="3" presStyleCnt="4"/>
       <dgm:spPr/>
+      <dgm:t>
+        <a:bodyPr/>
+        <a:lstStyle/>
+        <a:p>
+          <a:pPr rtl="1"/>
+          <a:endParaRPr lang="he-IL"/>
+        </a:p>
+      </dgm:t>
     </dgm:pt>
     <dgm:pt modelId="{42621064-B692-44A4-8B67-98464355809D}" type="pres">
       <dgm:prSet presAssocID="{8E99583B-902A-4499-8347-4C92EA314711}" presName="connectorText" presStyleLbl="sibTrans2D1" presStyleIdx="3" presStyleCnt="4"/>
       <dgm:spPr/>
+      <dgm:t>
+        <a:bodyPr/>
+        <a:lstStyle/>
+        <a:p>
+          <a:pPr rtl="1"/>
+          <a:endParaRPr lang="he-IL"/>
+        </a:p>
+      </dgm:t>
     </dgm:pt>
     <dgm:pt modelId="{8ECA3CD5-4AD1-49C5-9553-3CCFC6B56053}" type="pres">
       <dgm:prSet presAssocID="{3C164BD7-C7C0-4BBF-851D-DA0F6A734107}" presName="node" presStyleLbl="node1" presStyleIdx="4" presStyleCnt="5">
@@ -1158,28 +1267,36 @@
         </dgm:presLayoutVars>
       </dgm:prSet>
       <dgm:spPr/>
+      <dgm:t>
+        <a:bodyPr/>
+        <a:lstStyle/>
+        <a:p>
+          <a:pPr rtl="1"/>
+          <a:endParaRPr lang="he-IL"/>
+        </a:p>
+      </dgm:t>
     </dgm:pt>
   </dgm:ptLst>
   <dgm:cxnLst>
-    <dgm:cxn modelId="{1103FE0C-C385-4506-8805-91AD062EC215}" srcId="{DD3B469F-A493-4B5D-963B-9D800EE0D285}" destId="{C929336F-F23E-4B6C-A2D0-5089FF84B08B}" srcOrd="3" destOrd="0" parTransId="{4E00466C-D7CE-41E4-87F0-8B00B5A9D532}" sibTransId="{8E99583B-902A-4499-8347-4C92EA314711}"/>
-    <dgm:cxn modelId="{741BBB14-FA96-40A0-BE4A-28E339459F4A}" type="presOf" srcId="{3C164BD7-C7C0-4BBF-851D-DA0F6A734107}" destId="{8ECA3CD5-4AD1-49C5-9553-3CCFC6B56053}" srcOrd="0" destOrd="0" presId="urn:microsoft.com/office/officeart/2005/8/layout/process1"/>
+    <dgm:cxn modelId="{D0364B34-937B-4192-9AA8-F2BF9F8EA2C0}" type="presOf" srcId="{8E99583B-902A-4499-8347-4C92EA314711}" destId="{36F1256D-E37A-41D0-B46C-78B4F958C1C1}" srcOrd="0" destOrd="0" presId="urn:microsoft.com/office/officeart/2005/8/layout/process1"/>
     <dgm:cxn modelId="{21E7541B-0B7E-4716-B66C-C2F5204FE283}" type="presOf" srcId="{0128F457-F336-497D-AD89-8D42DC4EF59D}" destId="{65B18D5F-1C29-4AA9-8F84-08BD5BC6E6F0}" srcOrd="0" destOrd="0" presId="urn:microsoft.com/office/officeart/2005/8/layout/process1"/>
+    <dgm:cxn modelId="{C4922950-A8A6-490B-BCCC-B8A482398530}" type="presOf" srcId="{9725D43C-17B5-4163-B215-442253487EAC}" destId="{E86D0B39-6C9A-447E-9748-DF655EBD3E3A}" srcOrd="0" destOrd="0" presId="urn:microsoft.com/office/officeart/2005/8/layout/process1"/>
+    <dgm:cxn modelId="{1521C385-B164-4E2E-9245-9B8FEEE6A8B5}" type="presOf" srcId="{8E99583B-902A-4499-8347-4C92EA314711}" destId="{42621064-B692-44A4-8B67-98464355809D}" srcOrd="1" destOrd="0" presId="urn:microsoft.com/office/officeart/2005/8/layout/process1"/>
     <dgm:cxn modelId="{51882B1C-1A47-45F1-82AF-F4AFFD5EFE6E}" type="presOf" srcId="{C929336F-F23E-4B6C-A2D0-5089FF84B08B}" destId="{2A4EEC84-7066-49D1-9F6C-17ED4EB366E9}" srcOrd="0" destOrd="0" presId="urn:microsoft.com/office/officeart/2005/8/layout/process1"/>
-    <dgm:cxn modelId="{D0364B34-937B-4192-9AA8-F2BF9F8EA2C0}" type="presOf" srcId="{8E99583B-902A-4499-8347-4C92EA314711}" destId="{36F1256D-E37A-41D0-B46C-78B4F958C1C1}" srcOrd="0" destOrd="0" presId="urn:microsoft.com/office/officeart/2005/8/layout/process1"/>
-    <dgm:cxn modelId="{2A641D4E-F48D-4184-84FC-E2AA747023C8}" type="presOf" srcId="{3D4A8514-B5A7-4A4A-9267-15BD6374C72B}" destId="{EFC3A3F2-9313-46DB-9EBA-F50D59F28CC3}" srcOrd="0" destOrd="0" presId="urn:microsoft.com/office/officeart/2005/8/layout/process1"/>
-    <dgm:cxn modelId="{C4922950-A8A6-490B-BCCC-B8A482398530}" type="presOf" srcId="{9725D43C-17B5-4163-B215-442253487EAC}" destId="{E86D0B39-6C9A-447E-9748-DF655EBD3E3A}" srcOrd="0" destOrd="0" presId="urn:microsoft.com/office/officeart/2005/8/layout/process1"/>
-    <dgm:cxn modelId="{CB72ED51-DFC1-4CD9-831F-A53FC3E1651B}" type="presOf" srcId="{D50FAF5A-0CEE-4FDA-81DA-CACF3F4CE359}" destId="{A78A7AA3-2CF7-4DA9-A840-B1A19689A587}" srcOrd="0" destOrd="0" presId="urn:microsoft.com/office/officeart/2005/8/layout/process1"/>
-    <dgm:cxn modelId="{5C13517B-7A69-4930-9A1E-5EFFD8E56DD8}" type="presOf" srcId="{950E2EFA-5735-4450-9103-9D693009F9D4}" destId="{74591D9A-593B-491A-B0A6-B037BC735185}" srcOrd="0" destOrd="0" presId="urn:microsoft.com/office/officeart/2005/8/layout/process1"/>
-    <dgm:cxn modelId="{1521C385-B164-4E2E-9245-9B8FEEE6A8B5}" type="presOf" srcId="{8E99583B-902A-4499-8347-4C92EA314711}" destId="{42621064-B692-44A4-8B67-98464355809D}" srcOrd="1" destOrd="0" presId="urn:microsoft.com/office/officeart/2005/8/layout/process1"/>
-    <dgm:cxn modelId="{0C458794-1316-4E69-BA4A-4076FEF89537}" srcId="{DD3B469F-A493-4B5D-963B-9D800EE0D285}" destId="{73A5084C-4084-485E-8BA4-8AFE19553096}" srcOrd="2" destOrd="0" parTransId="{5B430838-4478-4D6B-8E29-106719489C38}" sibTransId="{950E2EFA-5735-4450-9103-9D693009F9D4}"/>
-    <dgm:cxn modelId="{E325EF97-9F0A-44B1-B426-30BDFBF70A6F}" srcId="{DD3B469F-A493-4B5D-963B-9D800EE0D285}" destId="{3C164BD7-C7C0-4BBF-851D-DA0F6A734107}" srcOrd="4" destOrd="0" parTransId="{0E5E64F3-D363-42E2-B5BE-848C2AA06E3C}" sibTransId="{D6570759-A72A-44A9-98F0-E8064D2150E3}"/>
     <dgm:cxn modelId="{59A285A8-60E3-41C8-AA6E-B4EF772FCB29}" srcId="{DD3B469F-A493-4B5D-963B-9D800EE0D285}" destId="{9725D43C-17B5-4163-B215-442253487EAC}" srcOrd="1" destOrd="0" parTransId="{F256AA15-3E3A-4849-97F7-5F0502F3095E}" sibTransId="{D50FAF5A-0CEE-4FDA-81DA-CACF3F4CE359}"/>
     <dgm:cxn modelId="{FD1C5FB3-33C3-48D6-8EB8-1FFBFD6962CB}" type="presOf" srcId="{DD3B469F-A493-4B5D-963B-9D800EE0D285}" destId="{1ED8B5E2-4FD9-4E24-B720-EECA2040DD07}" srcOrd="0" destOrd="0" presId="urn:microsoft.com/office/officeart/2005/8/layout/process1"/>
+    <dgm:cxn modelId="{0C458794-1316-4E69-BA4A-4076FEF89537}" srcId="{DD3B469F-A493-4B5D-963B-9D800EE0D285}" destId="{73A5084C-4084-485E-8BA4-8AFE19553096}" srcOrd="2" destOrd="0" parTransId="{5B430838-4478-4D6B-8E29-106719489C38}" sibTransId="{950E2EFA-5735-4450-9103-9D693009F9D4}"/>
+    <dgm:cxn modelId="{F2BBFBD0-E468-4406-8D3F-15BFF302D463}" type="presOf" srcId="{73A5084C-4084-485E-8BA4-8AFE19553096}" destId="{F2523B9E-CE3C-4741-B7BD-AF2CB4297A29}" srcOrd="0" destOrd="0" presId="urn:microsoft.com/office/officeart/2005/8/layout/process1"/>
     <dgm:cxn modelId="{BC9ECDBD-2738-42D8-B480-26949FC56893}" srcId="{DD3B469F-A493-4B5D-963B-9D800EE0D285}" destId="{0128F457-F336-497D-AD89-8D42DC4EF59D}" srcOrd="0" destOrd="0" parTransId="{8B081CEE-209C-482D-9031-F15835076DE5}" sibTransId="{3D4A8514-B5A7-4A4A-9267-15BD6374C72B}"/>
+    <dgm:cxn modelId="{1103FE0C-C385-4506-8805-91AD062EC215}" srcId="{DD3B469F-A493-4B5D-963B-9D800EE0D285}" destId="{C929336F-F23E-4B6C-A2D0-5089FF84B08B}" srcOrd="3" destOrd="0" parTransId="{4E00466C-D7CE-41E4-87F0-8B00B5A9D532}" sibTransId="{8E99583B-902A-4499-8347-4C92EA314711}"/>
+    <dgm:cxn modelId="{E325EF97-9F0A-44B1-B426-30BDFBF70A6F}" srcId="{DD3B469F-A493-4B5D-963B-9D800EE0D285}" destId="{3C164BD7-C7C0-4BBF-851D-DA0F6A734107}" srcOrd="4" destOrd="0" parTransId="{0E5E64F3-D363-42E2-B5BE-848C2AA06E3C}" sibTransId="{D6570759-A72A-44A9-98F0-E8064D2150E3}"/>
+    <dgm:cxn modelId="{CB72ED51-DFC1-4CD9-831F-A53FC3E1651B}" type="presOf" srcId="{D50FAF5A-0CEE-4FDA-81DA-CACF3F4CE359}" destId="{A78A7AA3-2CF7-4DA9-A840-B1A19689A587}" srcOrd="0" destOrd="0" presId="urn:microsoft.com/office/officeart/2005/8/layout/process1"/>
+    <dgm:cxn modelId="{741BBB14-FA96-40A0-BE4A-28E339459F4A}" type="presOf" srcId="{3C164BD7-C7C0-4BBF-851D-DA0F6A734107}" destId="{8ECA3CD5-4AD1-49C5-9553-3CCFC6B56053}" srcOrd="0" destOrd="0" presId="urn:microsoft.com/office/officeart/2005/8/layout/process1"/>
+    <dgm:cxn modelId="{5C13517B-7A69-4930-9A1E-5EFFD8E56DD8}" type="presOf" srcId="{950E2EFA-5735-4450-9103-9D693009F9D4}" destId="{74591D9A-593B-491A-B0A6-B037BC735185}" srcOrd="0" destOrd="0" presId="urn:microsoft.com/office/officeart/2005/8/layout/process1"/>
     <dgm:cxn modelId="{479EA2CF-F8C8-4D53-BA48-AF9D5EE8593D}" type="presOf" srcId="{3D4A8514-B5A7-4A4A-9267-15BD6374C72B}" destId="{107578F9-59A1-4C4D-A44C-997BFA1701EF}" srcOrd="1" destOrd="0" presId="urn:microsoft.com/office/officeart/2005/8/layout/process1"/>
-    <dgm:cxn modelId="{F2BBFBD0-E468-4406-8D3F-15BFF302D463}" type="presOf" srcId="{73A5084C-4084-485E-8BA4-8AFE19553096}" destId="{F2523B9E-CE3C-4741-B7BD-AF2CB4297A29}" srcOrd="0" destOrd="0" presId="urn:microsoft.com/office/officeart/2005/8/layout/process1"/>
     <dgm:cxn modelId="{7F75FBE5-B9FB-4132-8255-F817B7961DF6}" type="presOf" srcId="{D50FAF5A-0CEE-4FDA-81DA-CACF3F4CE359}" destId="{05BC8030-F800-4682-9B5C-501AECBAC9DB}" srcOrd="1" destOrd="0" presId="urn:microsoft.com/office/officeart/2005/8/layout/process1"/>
     <dgm:cxn modelId="{4F3814E7-C0D2-4AA3-A4E3-2280B59CE477}" type="presOf" srcId="{950E2EFA-5735-4450-9103-9D693009F9D4}" destId="{55E67A35-24E6-48C1-B963-446A9B8BBD9D}" srcOrd="1" destOrd="0" presId="urn:microsoft.com/office/officeart/2005/8/layout/process1"/>
+    <dgm:cxn modelId="{2A641D4E-F48D-4184-84FC-E2AA747023C8}" type="presOf" srcId="{3D4A8514-B5A7-4A4A-9267-15BD6374C72B}" destId="{EFC3A3F2-9313-46DB-9EBA-F50D59F28CC3}" srcOrd="0" destOrd="0" presId="urn:microsoft.com/office/officeart/2005/8/layout/process1"/>
     <dgm:cxn modelId="{496B80B6-E9F5-4251-95A4-82C601FACBE8}" type="presParOf" srcId="{1ED8B5E2-4FD9-4E24-B720-EECA2040DD07}" destId="{65B18D5F-1C29-4AA9-8F84-08BD5BC6E6F0}" srcOrd="0" destOrd="0" presId="urn:microsoft.com/office/officeart/2005/8/layout/process1"/>
     <dgm:cxn modelId="{981F7E5E-DFFC-4B15-A7CC-905A32A2126F}" type="presParOf" srcId="{1ED8B5E2-4FD9-4E24-B720-EECA2040DD07}" destId="{EFC3A3F2-9313-46DB-9EBA-F50D59F28CC3}" srcOrd="1" destOrd="0" presId="urn:microsoft.com/office/officeart/2005/8/layout/process1"/>
     <dgm:cxn modelId="{D323F6CB-C82B-4302-BEC8-47792F57E30C}" type="presParOf" srcId="{EFC3A3F2-9313-46DB-9EBA-F50D59F28CC3}" destId="{107578F9-59A1-4C4D-A44C-997BFA1701EF}" srcOrd="0" destOrd="0" presId="urn:microsoft.com/office/officeart/2005/8/layout/process1"/>
@@ -1269,7 +1386,7 @@
         </a:bodyPr>
         <a:lstStyle/>
         <a:p>
-          <a:pPr marL="0" lvl="0" indent="0" algn="ctr" defTabSz="800100" rtl="1">
+          <a:pPr lvl="0" algn="ctr" defTabSz="800100" rtl="1">
             <a:lnSpc>
               <a:spcPct val="90000"/>
             </a:lnSpc>
@@ -1279,7 +1396,6 @@
             <a:spcAft>
               <a:spcPct val="35000"/>
             </a:spcAft>
-            <a:buNone/>
           </a:pPr>
           <a:r>
             <a:rPr lang="he-IL" sz="1800" kern="1200" dirty="0"/>
@@ -1354,7 +1470,7 @@
         </a:bodyPr>
         <a:lstStyle/>
         <a:p>
-          <a:pPr marL="0" lvl="0" indent="0" algn="ctr" defTabSz="622300">
+          <a:pPr lvl="0" algn="ctr" defTabSz="622300">
             <a:lnSpc>
               <a:spcPct val="90000"/>
             </a:lnSpc>
@@ -1364,7 +1480,6 @@
             <a:spcAft>
               <a:spcPct val="35000"/>
             </a:spcAft>
-            <a:buNone/>
           </a:pPr>
           <a:endParaRPr lang="en-US" sz="1400" kern="1200"/>
         </a:p>
@@ -1431,7 +1546,7 @@
         </a:bodyPr>
         <a:lstStyle/>
         <a:p>
-          <a:pPr marL="0" lvl="0" indent="0" algn="ctr" defTabSz="800100" rtl="1">
+          <a:pPr lvl="0" algn="ctr" defTabSz="800100" rtl="1">
             <a:lnSpc>
               <a:spcPct val="90000"/>
             </a:lnSpc>
@@ -1441,7 +1556,6 @@
             <a:spcAft>
               <a:spcPct val="35000"/>
             </a:spcAft>
-            <a:buNone/>
           </a:pPr>
           <a:r>
             <a:rPr lang="he-IL" sz="1800" kern="1200" dirty="0"/>
@@ -1508,7 +1622,7 @@
         </a:bodyPr>
         <a:lstStyle/>
         <a:p>
-          <a:pPr marL="0" lvl="0" indent="0" algn="ctr" defTabSz="622300">
+          <a:pPr lvl="0" algn="ctr" defTabSz="622300">
             <a:lnSpc>
               <a:spcPct val="90000"/>
             </a:lnSpc>
@@ -1518,7 +1632,6 @@
             <a:spcAft>
               <a:spcPct val="35000"/>
             </a:spcAft>
-            <a:buNone/>
           </a:pPr>
           <a:endParaRPr lang="en-US" sz="1400" kern="1200"/>
         </a:p>
@@ -1585,7 +1698,7 @@
         </a:bodyPr>
         <a:lstStyle/>
         <a:p>
-          <a:pPr marL="0" lvl="0" indent="0" algn="ctr" defTabSz="800100">
+          <a:pPr lvl="0" algn="ctr" defTabSz="800100" rtl="1">
             <a:lnSpc>
               <a:spcPct val="90000"/>
             </a:lnSpc>
@@ -1595,11 +1708,22 @@
             <a:spcAft>
               <a:spcPct val="35000"/>
             </a:spcAft>
-            <a:buNone/>
           </a:pPr>
           <a:r>
             <a:rPr lang="he-IL" sz="1800" kern="1200" dirty="0"/>
-            <a:t>עיבוד נתונים </a:t>
+            <a:t>עיבוד </a:t>
+          </a:r>
+          <a:r>
+            <a:rPr lang="he-IL" sz="1800" kern="1200" dirty="0" smtClean="0"/>
+            <a:t>נתונים בעזרת </a:t>
+          </a:r>
+          <a:r>
+            <a:rPr lang="en-US" sz="1800" kern="1200" smtClean="0"/>
+            <a:t>python</a:t>
+          </a:r>
+          <a:r>
+            <a:rPr lang="he-IL" sz="1800" kern="1200" smtClean="0"/>
+            <a:t> </a:t>
           </a:r>
           <a:endParaRPr lang="en-US" sz="1800" kern="1200" dirty="0"/>
         </a:p>
@@ -1659,7 +1783,7 @@
         </a:bodyPr>
         <a:lstStyle/>
         <a:p>
-          <a:pPr marL="0" lvl="0" indent="0" algn="ctr" defTabSz="622300">
+          <a:pPr lvl="0" algn="ctr" defTabSz="622300">
             <a:lnSpc>
               <a:spcPct val="90000"/>
             </a:lnSpc>
@@ -1669,7 +1793,6 @@
             <a:spcAft>
               <a:spcPct val="35000"/>
             </a:spcAft>
-            <a:buNone/>
           </a:pPr>
           <a:endParaRPr lang="en-US" sz="1400" kern="1200"/>
         </a:p>
@@ -1736,7 +1859,7 @@
         </a:bodyPr>
         <a:lstStyle/>
         <a:p>
-          <a:pPr marL="0" lvl="0" indent="0" algn="ctr" defTabSz="800100" rtl="1">
+          <a:pPr lvl="0" algn="ctr" defTabSz="800100" rtl="1">
             <a:lnSpc>
               <a:spcPct val="90000"/>
             </a:lnSpc>
@@ -1746,7 +1869,6 @@
             <a:spcAft>
               <a:spcPct val="35000"/>
             </a:spcAft>
-            <a:buNone/>
           </a:pPr>
           <a:r>
             <a:rPr lang="he-IL" sz="1800" kern="1200" dirty="0"/>
@@ -1813,7 +1935,7 @@
         </a:bodyPr>
         <a:lstStyle/>
         <a:p>
-          <a:pPr marL="0" lvl="0" indent="0" algn="ctr" defTabSz="622300">
+          <a:pPr lvl="0" algn="ctr" defTabSz="622300">
             <a:lnSpc>
               <a:spcPct val="90000"/>
             </a:lnSpc>
@@ -1823,7 +1945,6 @@
             <a:spcAft>
               <a:spcPct val="35000"/>
             </a:spcAft>
-            <a:buNone/>
           </a:pPr>
           <a:endParaRPr lang="en-US" sz="1400" kern="1200"/>
         </a:p>
@@ -1890,7 +2011,7 @@
         </a:bodyPr>
         <a:lstStyle/>
         <a:p>
-          <a:pPr marL="0" lvl="0" indent="0" algn="ctr" defTabSz="800100" rtl="1">
+          <a:pPr lvl="0" algn="ctr" defTabSz="800100" rtl="1">
             <a:lnSpc>
               <a:spcPct val="90000"/>
             </a:lnSpc>
@@ -1900,7 +2021,6 @@
             <a:spcAft>
               <a:spcPct val="35000"/>
             </a:spcAft>
-            <a:buNone/>
           </a:pPr>
           <a:r>
             <a:rPr lang="he-IL" sz="1800" kern="1200" dirty="0"/>
@@ -6864,7 +6984,7 @@
                 <a16:creationId xmlns:a16="http://schemas.microsoft.com/office/drawing/2014/main" id="{7A18C9FB-EC4C-4DAE-8F7D-C6E5AF607958}"/>
               </a:ext>
               <a:ext uri="{C183D7F6-B498-43B3-948B-1728B52AA6E4}">
-                <adec:decorative xmlns:adec="http://schemas.microsoft.com/office/drawing/2017/decorative" val="1"/>
+                <adec:decorative xmlns:adec="http://schemas.microsoft.com/office/drawing/2017/decorative" xmlns="" val="1"/>
               </a:ext>
             </a:extLst>
           </p:cNvPr>
@@ -7012,7 +7132,7 @@
                 <a16:creationId xmlns:a16="http://schemas.microsoft.com/office/drawing/2014/main" id="{FEDD342A-EF89-4827-9C79-749F28490B7B}"/>
               </a:ext>
               <a:ext uri="{C183D7F6-B498-43B3-948B-1728B52AA6E4}">
-                <adec:decorative xmlns:adec="http://schemas.microsoft.com/office/drawing/2017/decorative" val="1"/>
+                <adec:decorative xmlns:adec="http://schemas.microsoft.com/office/drawing/2017/decorative" xmlns="" val="1"/>
               </a:ext>
             </a:extLst>
           </p:cNvPr>
@@ -7180,7 +7300,7 @@
                 <a16:creationId xmlns:a16="http://schemas.microsoft.com/office/drawing/2014/main" id="{B47A9921-6509-49C2-BEBF-924F28066091}"/>
               </a:ext>
               <a:ext uri="{C183D7F6-B498-43B3-948B-1728B52AA6E4}">
-                <adec:decorative xmlns:adec="http://schemas.microsoft.com/office/drawing/2017/decorative" val="1"/>
+                <adec:decorative xmlns:adec="http://schemas.microsoft.com/office/drawing/2017/decorative" xmlns="" val="1"/>
               </a:ext>
             </a:extLst>
           </p:cNvPr>
@@ -7589,7 +7709,15 @@
             </a:r>
             <a:r>
               <a:rPr lang="he-IL" sz="2000" dirty="0"/>
-              <a:t> - משחק שבו שתי קבוצות של חמישה שחקנים מנסות להרוס את המבנה הראשי של הקבוצה הירידה במהלך המשחק אפשר להרוג יריבים לקנות פריטים להרוג ועוד.</a:t>
+              <a:t> - משחק שבו שתי קבוצות של חמישה שחקנים מנסות להרוס את המבנה הראשי של הקבוצה </a:t>
+            </a:r>
+            <a:r>
+              <a:rPr lang="he-IL" sz="2000" dirty="0" smtClean="0"/>
+              <a:t>היריבה </a:t>
+            </a:r>
+            <a:r>
+              <a:rPr lang="he-IL" sz="2000" dirty="0"/>
+              <a:t>במהלך המשחק אפשר להרוג יריבים לקנות פריטים להרוג ועוד.</a:t>
             </a:r>
           </a:p>
           <a:p>
@@ -7765,7 +7893,7 @@
             <p:ph idx="1"/>
             <p:extLst>
               <p:ext uri="{D42A27DB-BD31-4B8C-83A1-F6EECF244321}">
-                <p14:modId xmlns:p14="http://schemas.microsoft.com/office/powerpoint/2010/main" val="3415883766"/>
+                <p14:modId xmlns:p14="http://schemas.microsoft.com/office/powerpoint/2010/main" val="717971105"/>
               </p:ext>
             </p:extLst>
           </p:nvPr>
